--- a/Week 5/Econ144_Lec9.pptx
+++ b/Week 5/Econ144_Lec9.pptx
@@ -251,7 +251,7 @@
             <a:fld id="{BE50BAC9-D96F-6043-9C24-3CA1CCA5BE71}" type="datetimeFigureOut">
               <a:rPr lang="en-US" smtClean="0"/>
               <a:pPr/>
-              <a:t>4/26/2018</a:t>
+              <a:t>5/1/2018</a:t>
             </a:fld>
             <a:endParaRPr lang="en-US"/>
           </a:p>
@@ -414,7 +414,7 @@
             <a:fld id="{4D414C45-A818-8343-8DB1-68AFBE94AD91}" type="datetimeFigureOut">
               <a:rPr lang="en-US" smtClean="0"/>
               <a:pPr/>
-              <a:t>4/26/2018</a:t>
+              <a:t>5/1/2018</a:t>
             </a:fld>
             <a:endParaRPr lang="en-US"/>
           </a:p>
@@ -1486,7 +1486,7 @@
             <a:fld id="{C22F2E38-EDF2-0B4B-A1AE-2C9A9CC8448E}" type="datetime1">
               <a:rPr lang="en-US" smtClean="0"/>
               <a:pPr/>
-              <a:t>4/26/2018</a:t>
+              <a:t>5/1/2018</a:t>
             </a:fld>
             <a:endParaRPr lang="en-US"/>
           </a:p>
@@ -1651,7 +1651,7 @@
             <a:fld id="{7B4E94A1-FAB2-8540-996A-EF6238DC218B}" type="datetime1">
               <a:rPr lang="en-US" smtClean="0"/>
               <a:pPr/>
-              <a:t>4/26/2018</a:t>
+              <a:t>5/1/2018</a:t>
             </a:fld>
             <a:endParaRPr lang="en-US"/>
           </a:p>
@@ -1826,7 +1826,7 @@
             <a:fld id="{E4E3242E-FC60-354B-9E01-F98987CF91EA}" type="datetime1">
               <a:rPr lang="en-US" smtClean="0"/>
               <a:pPr/>
-              <a:t>4/26/2018</a:t>
+              <a:t>5/1/2018</a:t>
             </a:fld>
             <a:endParaRPr lang="en-US"/>
           </a:p>
@@ -1991,7 +1991,7 @@
             <a:fld id="{CE8A7A32-8E31-344A-9B2B-A10CFA75356E}" type="datetime1">
               <a:rPr lang="en-US" smtClean="0"/>
               <a:pPr/>
-              <a:t>4/26/2018</a:t>
+              <a:t>5/1/2018</a:t>
             </a:fld>
             <a:endParaRPr lang="en-US"/>
           </a:p>
@@ -2233,7 +2233,7 @@
             <a:fld id="{CAF3A19E-4A45-ED4F-BD27-B0EE52A51AF6}" type="datetime1">
               <a:rPr lang="en-US" smtClean="0"/>
               <a:pPr/>
-              <a:t>4/26/2018</a:t>
+              <a:t>5/1/2018</a:t>
             </a:fld>
             <a:endParaRPr lang="en-US"/>
           </a:p>
@@ -2515,7 +2515,7 @@
             <a:fld id="{DC8D4752-6B78-9841-8719-C037FEC45DC1}" type="datetime1">
               <a:rPr lang="en-US" smtClean="0"/>
               <a:pPr/>
-              <a:t>4/26/2018</a:t>
+              <a:t>5/1/2018</a:t>
             </a:fld>
             <a:endParaRPr lang="en-US"/>
           </a:p>
@@ -2931,7 +2931,7 @@
             <a:fld id="{ECA248A7-4584-084F-BB0A-E1A38D98CD94}" type="datetime1">
               <a:rPr lang="en-US" smtClean="0"/>
               <a:pPr/>
-              <a:t>4/26/2018</a:t>
+              <a:t>5/1/2018</a:t>
             </a:fld>
             <a:endParaRPr lang="en-US"/>
           </a:p>
@@ -3045,7 +3045,7 @@
             <a:fld id="{1234E8FB-B829-8A44-806E-D8D0FB4AB18A}" type="datetime1">
               <a:rPr lang="en-US" smtClean="0"/>
               <a:pPr/>
-              <a:t>4/26/2018</a:t>
+              <a:t>5/1/2018</a:t>
             </a:fld>
             <a:endParaRPr lang="en-US"/>
           </a:p>
@@ -3137,7 +3137,7 @@
             <a:fld id="{1E04AC61-63AC-8445-997C-669BD7969E4E}" type="datetime1">
               <a:rPr lang="en-US" smtClean="0"/>
               <a:pPr/>
-              <a:t>4/26/2018</a:t>
+              <a:t>5/1/2018</a:t>
             </a:fld>
             <a:endParaRPr lang="en-US"/>
           </a:p>
@@ -3409,7 +3409,7 @@
             <a:fld id="{CD6ED6C7-C2C5-C24C-AC8A-A91C9FF9B017}" type="datetime1">
               <a:rPr lang="en-US" smtClean="0"/>
               <a:pPr/>
-              <a:t>4/26/2018</a:t>
+              <a:t>5/1/2018</a:t>
             </a:fld>
             <a:endParaRPr lang="en-US"/>
           </a:p>
@@ -3658,7 +3658,7 @@
             <a:fld id="{D8C7839B-E887-0944-84C3-E700F2F6A56F}" type="datetime1">
               <a:rPr lang="en-US" smtClean="0"/>
               <a:pPr/>
-              <a:t>4/26/2018</a:t>
+              <a:t>5/1/2018</a:t>
             </a:fld>
             <a:endParaRPr lang="en-US"/>
           </a:p>
@@ -3866,7 +3866,7 @@
             <a:fld id="{CB6D0F97-75B8-7541-A107-497A429A2E0D}" type="datetime1">
               <a:rPr lang="en-US" smtClean="0"/>
               <a:pPr/>
-              <a:t>4/26/2018</a:t>
+              <a:t>5/1/2018</a:t>
             </a:fld>
             <a:endParaRPr lang="en-US"/>
           </a:p>
@@ -4894,7 +4894,7 @@
           <p:nvPr/>
         </p:nvPicPr>
         <mc:AlternateContent xmlns:mc="http://schemas.openxmlformats.org/markup-compatibility/2006">
-          <mc:Choice xmlns="" xmlns:mv="urn:schemas-microsoft-com:mac:vml" xmlns:ma="http://schemas.microsoft.com/office/mac/drawingml/2008/main" Requires="ma">
+          <mc:Choice xmlns:ma="http://schemas.microsoft.com/office/mac/drawingml/2008/main" xmlns:mv="urn:schemas-microsoft-com:mac:vml" xmlns="" Requires="ma">
             <p:blipFill>
               <a:blip r:embed="rId2"/>
               <a:stretch>
@@ -4930,7 +4930,7 @@
           <p:nvPr/>
         </p:nvPicPr>
         <mc:AlternateContent xmlns:mc="http://schemas.openxmlformats.org/markup-compatibility/2006">
-          <mc:Choice xmlns="" xmlns:mv="urn:schemas-microsoft-com:mac:vml" xmlns:ma="http://schemas.microsoft.com/office/mac/drawingml/2008/main" Requires="ma">
+          <mc:Choice xmlns:ma="http://schemas.microsoft.com/office/mac/drawingml/2008/main" xmlns:mv="urn:schemas-microsoft-com:mac:vml" xmlns="" Requires="ma">
             <p:blipFill>
               <a:blip r:embed="rId4"/>
               <a:stretch>
@@ -5038,7 +5038,7 @@
           <p:nvPr/>
         </p:nvPicPr>
         <mc:AlternateContent xmlns:mc="http://schemas.openxmlformats.org/markup-compatibility/2006">
-          <mc:Choice xmlns="" xmlns:mv="urn:schemas-microsoft-com:mac:vml" xmlns:ma="http://schemas.microsoft.com/office/mac/drawingml/2008/main" Requires="ma">
+          <mc:Choice xmlns:ma="http://schemas.microsoft.com/office/mac/drawingml/2008/main" xmlns:mv="urn:schemas-microsoft-com:mac:vml" xmlns="" Requires="ma">
             <p:blipFill>
               <a:blip r:embed="rId6"/>
               <a:stretch>
@@ -5074,7 +5074,7 @@
           <p:nvPr/>
         </p:nvPicPr>
         <mc:AlternateContent xmlns:mc="http://schemas.openxmlformats.org/markup-compatibility/2006">
-          <mc:Choice xmlns="" xmlns:mv="urn:schemas-microsoft-com:mac:vml" xmlns:ma="http://schemas.microsoft.com/office/mac/drawingml/2008/main" Requires="ma">
+          <mc:Choice xmlns:ma="http://schemas.microsoft.com/office/mac/drawingml/2008/main" xmlns:mv="urn:schemas-microsoft-com:mac:vml" xmlns="" Requires="ma">
             <p:blipFill>
               <a:blip r:embed="rId8"/>
               <a:stretch>
@@ -5110,7 +5110,7 @@
           <p:nvPr/>
         </p:nvPicPr>
         <mc:AlternateContent xmlns:mc="http://schemas.openxmlformats.org/markup-compatibility/2006">
-          <mc:Choice xmlns="" xmlns:mv="urn:schemas-microsoft-com:mac:vml" xmlns:ma="http://schemas.microsoft.com/office/mac/drawingml/2008/main" Requires="ma">
+          <mc:Choice xmlns:ma="http://schemas.microsoft.com/office/mac/drawingml/2008/main" xmlns:mv="urn:schemas-microsoft-com:mac:vml" xmlns="" Requires="ma">
             <p:blipFill>
               <a:blip r:embed="rId10"/>
               <a:stretch>
@@ -5146,7 +5146,7 @@
           <p:nvPr/>
         </p:nvPicPr>
         <mc:AlternateContent xmlns:mc="http://schemas.openxmlformats.org/markup-compatibility/2006">
-          <mc:Choice xmlns="" xmlns:mv="urn:schemas-microsoft-com:mac:vml" xmlns:ma="http://schemas.microsoft.com/office/mac/drawingml/2008/main" Requires="ma">
+          <mc:Choice xmlns:ma="http://schemas.microsoft.com/office/mac/drawingml/2008/main" xmlns:mv="urn:schemas-microsoft-com:mac:vml" xmlns="" Requires="ma">
             <p:blipFill>
               <a:blip r:embed="rId12"/>
               <a:stretch>
@@ -6990,7 +6990,7 @@
           <p:nvPr/>
         </p:nvPicPr>
         <mc:AlternateContent xmlns:mc="http://schemas.openxmlformats.org/markup-compatibility/2006">
-          <mc:Choice xmlns="" xmlns:mv="urn:schemas-microsoft-com:mac:vml" xmlns:ma="http://schemas.microsoft.com/office/mac/drawingml/2008/main" Requires="ma">
+          <mc:Choice xmlns:ma="http://schemas.microsoft.com/office/mac/drawingml/2008/main" xmlns:mv="urn:schemas-microsoft-com:mac:vml" xmlns="" Requires="ma">
             <p:blipFill>
               <a:blip r:embed="rId2"/>
               <a:stretch>
@@ -7026,7 +7026,7 @@
           <p:nvPr/>
         </p:nvPicPr>
         <mc:AlternateContent xmlns:mc="http://schemas.openxmlformats.org/markup-compatibility/2006">
-          <mc:Choice xmlns="" xmlns:mv="urn:schemas-microsoft-com:mac:vml" xmlns:ma="http://schemas.microsoft.com/office/mac/drawingml/2008/main" Requires="ma">
+          <mc:Choice xmlns:ma="http://schemas.microsoft.com/office/mac/drawingml/2008/main" xmlns:mv="urn:schemas-microsoft-com:mac:vml" xmlns="" Requires="ma">
             <p:blipFill>
               <a:blip r:embed="rId4"/>
               <a:stretch>
@@ -7671,7 +7671,7 @@
           <p:nvPr/>
         </p:nvPicPr>
         <mc:AlternateContent xmlns:mc="http://schemas.openxmlformats.org/markup-compatibility/2006">
-          <mc:Choice xmlns="" xmlns:mv="urn:schemas-microsoft-com:mac:vml" xmlns:ma="http://schemas.microsoft.com/office/mac/drawingml/2008/main" Requires="ma">
+          <mc:Choice xmlns:ma="http://schemas.microsoft.com/office/mac/drawingml/2008/main" xmlns:mv="urn:schemas-microsoft-com:mac:vml" xmlns="" Requires="ma">
             <p:blipFill>
               <a:blip r:embed="rId2"/>
               <a:stretch>
@@ -7856,7 +7856,7 @@
           <p:nvPr/>
         </p:nvPicPr>
         <mc:AlternateContent xmlns:mc="http://schemas.openxmlformats.org/markup-compatibility/2006">
-          <mc:Choice xmlns="" xmlns:mv="urn:schemas-microsoft-com:mac:vml" xmlns:ma="http://schemas.microsoft.com/office/mac/drawingml/2008/main" Requires="ma">
+          <mc:Choice xmlns:ma="http://schemas.microsoft.com/office/mac/drawingml/2008/main" xmlns:mv="urn:schemas-microsoft-com:mac:vml" xmlns="" Requires="ma">
             <p:blipFill>
               <a:blip r:embed="rId4"/>
               <a:stretch>
@@ -7892,7 +7892,7 @@
           <p:nvPr/>
         </p:nvPicPr>
         <mc:AlternateContent xmlns:mc="http://schemas.openxmlformats.org/markup-compatibility/2006">
-          <mc:Choice xmlns="" xmlns:mv="urn:schemas-microsoft-com:mac:vml" xmlns:ma="http://schemas.microsoft.com/office/mac/drawingml/2008/main" Requires="ma">
+          <mc:Choice xmlns:ma="http://schemas.microsoft.com/office/mac/drawingml/2008/main" xmlns:mv="urn:schemas-microsoft-com:mac:vml" xmlns="" Requires="ma">
             <p:blipFill>
               <a:blip r:embed="rId6"/>
               <a:stretch>
@@ -7928,7 +7928,7 @@
           <p:nvPr/>
         </p:nvPicPr>
         <mc:AlternateContent xmlns:mc="http://schemas.openxmlformats.org/markup-compatibility/2006">
-          <mc:Choice xmlns="" xmlns:mv="urn:schemas-microsoft-com:mac:vml" xmlns:ma="http://schemas.microsoft.com/office/mac/drawingml/2008/main" Requires="ma">
+          <mc:Choice xmlns:ma="http://schemas.microsoft.com/office/mac/drawingml/2008/main" xmlns:mv="urn:schemas-microsoft-com:mac:vml" xmlns="" Requires="ma">
             <p:blipFill>
               <a:blip r:embed="rId8"/>
               <a:stretch>
@@ -22521,7 +22521,7 @@
           <p:nvPr/>
         </p:nvPicPr>
         <mc:AlternateContent xmlns:mc="http://schemas.openxmlformats.org/markup-compatibility/2006">
-          <mc:Choice xmlns="" xmlns:mv="urn:schemas-microsoft-com:mac:vml" xmlns:ma="http://schemas.microsoft.com/office/mac/drawingml/2008/main" Requires="ma">
+          <mc:Choice xmlns:ma="http://schemas.microsoft.com/office/mac/drawingml/2008/main" xmlns:mv="urn:schemas-microsoft-com:mac:vml" xmlns="" Requires="ma">
             <p:blipFill>
               <a:blip r:embed="rId3"/>
               <a:stretch>
@@ -22557,7 +22557,7 @@
           <p:nvPr/>
         </p:nvPicPr>
         <mc:AlternateContent xmlns:mc="http://schemas.openxmlformats.org/markup-compatibility/2006">
-          <mc:Choice xmlns="" xmlns:mv="urn:schemas-microsoft-com:mac:vml" xmlns:ma="http://schemas.microsoft.com/office/mac/drawingml/2008/main" Requires="ma">
+          <mc:Choice xmlns:ma="http://schemas.microsoft.com/office/mac/drawingml/2008/main" xmlns:mv="urn:schemas-microsoft-com:mac:vml" xmlns="" Requires="ma">
             <p:blipFill>
               <a:blip r:embed="rId5"/>
               <a:stretch>
@@ -22593,7 +22593,7 @@
           <p:nvPr/>
         </p:nvPicPr>
         <mc:AlternateContent xmlns:mc="http://schemas.openxmlformats.org/markup-compatibility/2006">
-          <mc:Choice xmlns="" xmlns:mv="urn:schemas-microsoft-com:mac:vml" xmlns:ma="http://schemas.microsoft.com/office/mac/drawingml/2008/main" Requires="ma">
+          <mc:Choice xmlns:ma="http://schemas.microsoft.com/office/mac/drawingml/2008/main" xmlns:mv="urn:schemas-microsoft-com:mac:vml" xmlns="" Requires="ma">
             <p:blipFill>
               <a:blip r:embed="rId7"/>
               <a:stretch>
@@ -23502,7 +23502,7 @@
           <p:nvPr/>
         </p:nvPicPr>
         <mc:AlternateContent xmlns:mc="http://schemas.openxmlformats.org/markup-compatibility/2006">
-          <mc:Choice xmlns="" xmlns:mv="urn:schemas-microsoft-com:mac:vml" xmlns:ma="http://schemas.microsoft.com/office/mac/drawingml/2008/main" Requires="ma">
+          <mc:Choice xmlns:ma="http://schemas.microsoft.com/office/mac/drawingml/2008/main" xmlns:mv="urn:schemas-microsoft-com:mac:vml" xmlns="" Requires="ma">
             <p:blipFill>
               <a:blip r:embed="rId2"/>
               <a:stretch>
@@ -23538,7 +23538,7 @@
           <p:nvPr/>
         </p:nvPicPr>
         <mc:AlternateContent xmlns:mc="http://schemas.openxmlformats.org/markup-compatibility/2006">
-          <mc:Choice xmlns="" xmlns:mv="urn:schemas-microsoft-com:mac:vml" xmlns:ma="http://schemas.microsoft.com/office/mac/drawingml/2008/main" Requires="ma">
+          <mc:Choice xmlns:ma="http://schemas.microsoft.com/office/mac/drawingml/2008/main" xmlns:mv="urn:schemas-microsoft-com:mac:vml" xmlns="" Requires="ma">
             <p:blipFill>
               <a:blip r:embed="rId4"/>
               <a:stretch>
@@ -23574,7 +23574,7 @@
           <p:nvPr/>
         </p:nvPicPr>
         <mc:AlternateContent xmlns:mc="http://schemas.openxmlformats.org/markup-compatibility/2006">
-          <mc:Choice xmlns="" xmlns:mv="urn:schemas-microsoft-com:mac:vml" xmlns:ma="http://schemas.microsoft.com/office/mac/drawingml/2008/main" Requires="ma">
+          <mc:Choice xmlns:ma="http://schemas.microsoft.com/office/mac/drawingml/2008/main" xmlns:mv="urn:schemas-microsoft-com:mac:vml" xmlns="" Requires="ma">
             <p:blipFill>
               <a:blip r:embed="rId6"/>
               <a:stretch>
@@ -23610,7 +23610,7 @@
           <p:nvPr/>
         </p:nvPicPr>
         <mc:AlternateContent xmlns:mc="http://schemas.openxmlformats.org/markup-compatibility/2006">
-          <mc:Choice xmlns="" xmlns:mv="urn:schemas-microsoft-com:mac:vml" xmlns:ma="http://schemas.microsoft.com/office/mac/drawingml/2008/main" Requires="ma">
+          <mc:Choice xmlns:ma="http://schemas.microsoft.com/office/mac/drawingml/2008/main" xmlns:mv="urn:schemas-microsoft-com:mac:vml" xmlns="" Requires="ma">
             <p:blipFill>
               <a:blip r:embed="rId8"/>
               <a:stretch>
@@ -25338,7 +25338,7 @@
           <p:nvPr/>
         </p:nvPicPr>
         <mc:AlternateContent xmlns:mc="http://schemas.openxmlformats.org/markup-compatibility/2006">
-          <mc:Choice xmlns="" xmlns:mv="urn:schemas-microsoft-com:mac:vml" xmlns:ma="http://schemas.microsoft.com/office/mac/drawingml/2008/main" Requires="ma">
+          <mc:Choice xmlns:ma="http://schemas.microsoft.com/office/mac/drawingml/2008/main" xmlns:mv="urn:schemas-microsoft-com:mac:vml" xmlns="" Requires="ma">
             <p:blipFill>
               <a:blip r:embed="rId2"/>
               <a:stretch>
@@ -25374,7 +25374,7 @@
           <p:nvPr/>
         </p:nvPicPr>
         <mc:AlternateContent xmlns:mc="http://schemas.openxmlformats.org/markup-compatibility/2006">
-          <mc:Choice xmlns="" xmlns:mv="urn:schemas-microsoft-com:mac:vml" xmlns:ma="http://schemas.microsoft.com/office/mac/drawingml/2008/main" Requires="ma">
+          <mc:Choice xmlns:ma="http://schemas.microsoft.com/office/mac/drawingml/2008/main" xmlns:mv="urn:schemas-microsoft-com:mac:vml" xmlns="" Requires="ma">
             <p:blipFill>
               <a:blip r:embed="rId4"/>
               <a:stretch>
@@ -26058,7 +26058,7 @@
           <p:nvPr/>
         </p:nvPicPr>
         <mc:AlternateContent xmlns:mc="http://schemas.openxmlformats.org/markup-compatibility/2006">
-          <mc:Choice xmlns="" xmlns:mv="urn:schemas-microsoft-com:mac:vml" xmlns:ma="http://schemas.microsoft.com/office/mac/drawingml/2008/main" Requires="ma">
+          <mc:Choice xmlns:ma="http://schemas.microsoft.com/office/mac/drawingml/2008/main" xmlns:mv="urn:schemas-microsoft-com:mac:vml" xmlns="" Requires="ma">
             <p:blipFill>
               <a:blip r:embed="rId2"/>
               <a:stretch>
@@ -26243,7 +26243,7 @@
           <p:nvPr/>
         </p:nvPicPr>
         <mc:AlternateContent xmlns:mc="http://schemas.openxmlformats.org/markup-compatibility/2006">
-          <mc:Choice xmlns="" xmlns:mv="urn:schemas-microsoft-com:mac:vml" xmlns:ma="http://schemas.microsoft.com/office/mac/drawingml/2008/main" Requires="ma">
+          <mc:Choice xmlns:ma="http://schemas.microsoft.com/office/mac/drawingml/2008/main" xmlns:mv="urn:schemas-microsoft-com:mac:vml" xmlns="" Requires="ma">
             <p:blipFill>
               <a:blip r:embed="rId4"/>
               <a:stretch>
@@ -26279,7 +26279,7 @@
           <p:nvPr/>
         </p:nvPicPr>
         <mc:AlternateContent xmlns:mc="http://schemas.openxmlformats.org/markup-compatibility/2006">
-          <mc:Choice xmlns="" xmlns:mv="urn:schemas-microsoft-com:mac:vml" xmlns:ma="http://schemas.microsoft.com/office/mac/drawingml/2008/main" Requires="ma">
+          <mc:Choice xmlns:ma="http://schemas.microsoft.com/office/mac/drawingml/2008/main" xmlns:mv="urn:schemas-microsoft-com:mac:vml" xmlns="" Requires="ma">
             <p:blipFill>
               <a:blip r:embed="rId6"/>
               <a:stretch>
@@ -26315,7 +26315,7 @@
           <p:nvPr/>
         </p:nvPicPr>
         <mc:AlternateContent xmlns:mc="http://schemas.openxmlformats.org/markup-compatibility/2006">
-          <mc:Choice xmlns="" xmlns:mv="urn:schemas-microsoft-com:mac:vml" xmlns:ma="http://schemas.microsoft.com/office/mac/drawingml/2008/main" Requires="ma">
+          <mc:Choice xmlns:ma="http://schemas.microsoft.com/office/mac/drawingml/2008/main" xmlns:mv="urn:schemas-microsoft-com:mac:vml" xmlns="" Requires="ma">
             <p:blipFill>
               <a:blip r:embed="rId8"/>
               <a:stretch>
@@ -26351,7 +26351,7 @@
           <p:nvPr/>
         </p:nvPicPr>
         <mc:AlternateContent xmlns:mc="http://schemas.openxmlformats.org/markup-compatibility/2006">
-          <mc:Choice xmlns="" xmlns:mv="urn:schemas-microsoft-com:mac:vml" xmlns:ma="http://schemas.microsoft.com/office/mac/drawingml/2008/main" Requires="ma">
+          <mc:Choice xmlns:ma="http://schemas.microsoft.com/office/mac/drawingml/2008/main" xmlns:mv="urn:schemas-microsoft-com:mac:vml" xmlns="" Requires="ma">
             <p:blipFill>
               <a:blip r:embed="rId10"/>
               <a:stretch>
@@ -26387,7 +26387,7 @@
           <p:nvPr/>
         </p:nvPicPr>
         <mc:AlternateContent xmlns:mc="http://schemas.openxmlformats.org/markup-compatibility/2006">
-          <mc:Choice xmlns="" xmlns:mv="urn:schemas-microsoft-com:mac:vml" xmlns:ma="http://schemas.microsoft.com/office/mac/drawingml/2008/main" Requires="ma">
+          <mc:Choice xmlns:ma="http://schemas.microsoft.com/office/mac/drawingml/2008/main" xmlns:mv="urn:schemas-microsoft-com:mac:vml" xmlns="" Requires="ma">
             <p:blipFill>
               <a:blip r:embed="rId12"/>
               <a:stretch>
@@ -26423,7 +26423,7 @@
           <p:nvPr/>
         </p:nvPicPr>
         <mc:AlternateContent xmlns:mc="http://schemas.openxmlformats.org/markup-compatibility/2006">
-          <mc:Choice xmlns="" xmlns:mv="urn:schemas-microsoft-com:mac:vml" xmlns:ma="http://schemas.microsoft.com/office/mac/drawingml/2008/main" Requires="ma">
+          <mc:Choice xmlns:ma="http://schemas.microsoft.com/office/mac/drawingml/2008/main" xmlns:mv="urn:schemas-microsoft-com:mac:vml" xmlns="" Requires="ma">
             <p:blipFill>
               <a:blip r:embed="rId14"/>
               <a:stretch>
@@ -26535,7 +26535,7 @@
           </p:nvPr>
         </p:nvPicPr>
         <mc:AlternateContent xmlns:mc="http://schemas.openxmlformats.org/markup-compatibility/2006">
-          <mc:Choice xmlns="" xmlns:mv="urn:schemas-microsoft-com:mac:vml" xmlns:ma="http://schemas.microsoft.com/office/mac/drawingml/2008/main" Requires="ma">
+          <mc:Choice xmlns:ma="http://schemas.microsoft.com/office/mac/drawingml/2008/main" xmlns:mv="urn:schemas-microsoft-com:mac:vml" xmlns="" Requires="ma">
             <p:blipFill>
               <a:blip r:embed="rId2"/>
               <a:srcRect l="3882" t="19054" r="9329" b="21284"/>
@@ -28205,7 +28205,7 @@
           <p:nvPr/>
         </p:nvPicPr>
         <mc:AlternateContent xmlns:mc="http://schemas.openxmlformats.org/markup-compatibility/2006">
-          <mc:Choice xmlns="" xmlns:mv="urn:schemas-microsoft-com:mac:vml" xmlns:ma="http://schemas.microsoft.com/office/mac/drawingml/2008/main" Requires="ma">
+          <mc:Choice xmlns:ma="http://schemas.microsoft.com/office/mac/drawingml/2008/main" xmlns:mv="urn:schemas-microsoft-com:mac:vml" xmlns="" Requires="ma">
             <p:blipFill>
               <a:blip r:embed="rId2"/>
               <a:stretch>
@@ -28241,7 +28241,7 @@
           <p:nvPr/>
         </p:nvPicPr>
         <mc:AlternateContent xmlns:mc="http://schemas.openxmlformats.org/markup-compatibility/2006">
-          <mc:Choice xmlns="" xmlns:mv="urn:schemas-microsoft-com:mac:vml" xmlns:ma="http://schemas.microsoft.com/office/mac/drawingml/2008/main" Requires="ma">
+          <mc:Choice xmlns:ma="http://schemas.microsoft.com/office/mac/drawingml/2008/main" xmlns:mv="urn:schemas-microsoft-com:mac:vml" xmlns="" Requires="ma">
             <p:blipFill>
               <a:blip r:embed="rId4"/>
               <a:stretch>
@@ -28277,7 +28277,7 @@
           <p:nvPr/>
         </p:nvPicPr>
         <mc:AlternateContent xmlns:mc="http://schemas.openxmlformats.org/markup-compatibility/2006">
-          <mc:Choice xmlns="" xmlns:mv="urn:schemas-microsoft-com:mac:vml" xmlns:ma="http://schemas.microsoft.com/office/mac/drawingml/2008/main" Requires="ma">
+          <mc:Choice xmlns:ma="http://schemas.microsoft.com/office/mac/drawingml/2008/main" xmlns:mv="urn:schemas-microsoft-com:mac:vml" xmlns="" Requires="ma">
             <p:blipFill>
               <a:blip r:embed="rId6"/>
               <a:stretch>
@@ -29113,7 +29113,7 @@
           <p:nvPr/>
         </p:nvPicPr>
         <mc:AlternateContent xmlns:mc="http://schemas.openxmlformats.org/markup-compatibility/2006">
-          <mc:Choice xmlns="" xmlns:mv="urn:schemas-microsoft-com:mac:vml" xmlns:ma="http://schemas.microsoft.com/office/mac/drawingml/2008/main" Requires="ma">
+          <mc:Choice xmlns:ma="http://schemas.microsoft.com/office/mac/drawingml/2008/main" xmlns:mv="urn:schemas-microsoft-com:mac:vml" xmlns="" Requires="ma">
             <p:blipFill>
               <a:blip r:embed="rId2"/>
               <a:stretch>
@@ -29149,7 +29149,7 @@
           <p:nvPr/>
         </p:nvPicPr>
         <mc:AlternateContent xmlns:mc="http://schemas.openxmlformats.org/markup-compatibility/2006">
-          <mc:Choice xmlns="" xmlns:mv="urn:schemas-microsoft-com:mac:vml" xmlns:ma="http://schemas.microsoft.com/office/mac/drawingml/2008/main" Requires="ma">
+          <mc:Choice xmlns:ma="http://schemas.microsoft.com/office/mac/drawingml/2008/main" xmlns:mv="urn:schemas-microsoft-com:mac:vml" xmlns="" Requires="ma">
             <p:blipFill>
               <a:blip r:embed="rId4"/>
               <a:stretch>
@@ -29185,7 +29185,7 @@
           <p:nvPr/>
         </p:nvPicPr>
         <mc:AlternateContent xmlns:mc="http://schemas.openxmlformats.org/markup-compatibility/2006">
-          <mc:Choice xmlns="" xmlns:mv="urn:schemas-microsoft-com:mac:vml" xmlns:ma="http://schemas.microsoft.com/office/mac/drawingml/2008/main" Requires="ma">
+          <mc:Choice xmlns:ma="http://schemas.microsoft.com/office/mac/drawingml/2008/main" xmlns:mv="urn:schemas-microsoft-com:mac:vml" xmlns="" Requires="ma">
             <p:blipFill>
               <a:blip r:embed="rId6"/>
               <a:stretch>
@@ -29221,7 +29221,7 @@
           <p:nvPr/>
         </p:nvPicPr>
         <mc:AlternateContent xmlns:mc="http://schemas.openxmlformats.org/markup-compatibility/2006">
-          <mc:Choice xmlns="" xmlns:mv="urn:schemas-microsoft-com:mac:vml" xmlns:ma="http://schemas.microsoft.com/office/mac/drawingml/2008/main" Requires="ma">
+          <mc:Choice xmlns:ma="http://schemas.microsoft.com/office/mac/drawingml/2008/main" xmlns:mv="urn:schemas-microsoft-com:mac:vml" xmlns="" Requires="ma">
             <p:blipFill>
               <a:blip r:embed="rId8"/>
               <a:stretch>
@@ -29257,7 +29257,7 @@
           <p:nvPr/>
         </p:nvPicPr>
         <mc:AlternateContent xmlns:mc="http://schemas.openxmlformats.org/markup-compatibility/2006">
-          <mc:Choice xmlns="" xmlns:mv="urn:schemas-microsoft-com:mac:vml" xmlns:ma="http://schemas.microsoft.com/office/mac/drawingml/2008/main" Requires="ma">
+          <mc:Choice xmlns:ma="http://schemas.microsoft.com/office/mac/drawingml/2008/main" xmlns:mv="urn:schemas-microsoft-com:mac:vml" xmlns="" Requires="ma">
             <p:blipFill>
               <a:blip r:embed="rId10"/>
               <a:stretch>
@@ -29438,7 +29438,7 @@
           <p:nvPr/>
         </p:nvPicPr>
         <mc:AlternateContent xmlns:mc="http://schemas.openxmlformats.org/markup-compatibility/2006">
-          <mc:Choice xmlns="" xmlns:mv="urn:schemas-microsoft-com:mac:vml" xmlns:ma="http://schemas.microsoft.com/office/mac/drawingml/2008/main" Requires="ma">
+          <mc:Choice xmlns:ma="http://schemas.microsoft.com/office/mac/drawingml/2008/main" xmlns:mv="urn:schemas-microsoft-com:mac:vml" xmlns="" Requires="ma">
             <p:blipFill>
               <a:blip r:embed="rId12"/>
               <a:stretch>
@@ -31060,7 +31060,7 @@
           <p:nvPr/>
         </p:nvPicPr>
         <mc:AlternateContent xmlns:mc="http://schemas.openxmlformats.org/markup-compatibility/2006">
-          <mc:Choice xmlns="" xmlns:mv="urn:schemas-microsoft-com:mac:vml" xmlns:ma="http://schemas.microsoft.com/office/mac/drawingml/2008/main" Requires="ma">
+          <mc:Choice xmlns:ma="http://schemas.microsoft.com/office/mac/drawingml/2008/main" xmlns:mv="urn:schemas-microsoft-com:mac:vml" xmlns="" Requires="ma">
             <p:blipFill>
               <a:blip r:embed="rId2"/>
               <a:stretch>
@@ -31096,7 +31096,7 @@
           <p:nvPr/>
         </p:nvPicPr>
         <mc:AlternateContent xmlns:mc="http://schemas.openxmlformats.org/markup-compatibility/2006">
-          <mc:Choice xmlns="" xmlns:mv="urn:schemas-microsoft-com:mac:vml" xmlns:ma="http://schemas.microsoft.com/office/mac/drawingml/2008/main" Requires="ma">
+          <mc:Choice xmlns:ma="http://schemas.microsoft.com/office/mac/drawingml/2008/main" xmlns:mv="urn:schemas-microsoft-com:mac:vml" xmlns="" Requires="ma">
             <p:blipFill>
               <a:blip r:embed="rId4"/>
               <a:stretch>
@@ -31132,7 +31132,7 @@
           <p:nvPr/>
         </p:nvPicPr>
         <mc:AlternateContent xmlns:mc="http://schemas.openxmlformats.org/markup-compatibility/2006">
-          <mc:Choice xmlns="" xmlns:mv="urn:schemas-microsoft-com:mac:vml" xmlns:ma="http://schemas.microsoft.com/office/mac/drawingml/2008/main" Requires="ma">
+          <mc:Choice xmlns:ma="http://schemas.microsoft.com/office/mac/drawingml/2008/main" xmlns:mv="urn:schemas-microsoft-com:mac:vml" xmlns="" Requires="ma">
             <p:blipFill>
               <a:blip r:embed="rId6"/>
               <a:stretch>
@@ -31168,7 +31168,7 @@
           <p:nvPr/>
         </p:nvPicPr>
         <mc:AlternateContent xmlns:mc="http://schemas.openxmlformats.org/markup-compatibility/2006">
-          <mc:Choice xmlns="" xmlns:mv="urn:schemas-microsoft-com:mac:vml" xmlns:ma="http://schemas.microsoft.com/office/mac/drawingml/2008/main" Requires="ma">
+          <mc:Choice xmlns:ma="http://schemas.microsoft.com/office/mac/drawingml/2008/main" xmlns:mv="urn:schemas-microsoft-com:mac:vml" xmlns="" Requires="ma">
             <p:blipFill>
               <a:blip r:embed="rId8"/>
               <a:stretch>
@@ -31204,7 +31204,7 @@
           <p:nvPr/>
         </p:nvPicPr>
         <mc:AlternateContent xmlns:mc="http://schemas.openxmlformats.org/markup-compatibility/2006">
-          <mc:Choice xmlns="" xmlns:mv="urn:schemas-microsoft-com:mac:vml" xmlns:ma="http://schemas.microsoft.com/office/mac/drawingml/2008/main" Requires="ma">
+          <mc:Choice xmlns:ma="http://schemas.microsoft.com/office/mac/drawingml/2008/main" xmlns:mv="urn:schemas-microsoft-com:mac:vml" xmlns="" Requires="ma">
             <p:blipFill>
               <a:blip r:embed="rId10"/>
               <a:stretch>
@@ -31971,7 +31971,7 @@
           <p:nvPr/>
         </p:nvPicPr>
         <mc:AlternateContent xmlns:mc="http://schemas.openxmlformats.org/markup-compatibility/2006">
-          <mc:Choice xmlns="" xmlns:mv="urn:schemas-microsoft-com:mac:vml" xmlns:ma="http://schemas.microsoft.com/office/mac/drawingml/2008/main" Requires="ma">
+          <mc:Choice xmlns:ma="http://schemas.microsoft.com/office/mac/drawingml/2008/main" xmlns:mv="urn:schemas-microsoft-com:mac:vml" xmlns="" Requires="ma">
             <p:blipFill>
               <a:blip r:embed="rId2"/>
               <a:stretch>
@@ -32007,7 +32007,7 @@
           <p:nvPr/>
         </p:nvPicPr>
         <mc:AlternateContent xmlns:mc="http://schemas.openxmlformats.org/markup-compatibility/2006">
-          <mc:Choice xmlns="" xmlns:mv="urn:schemas-microsoft-com:mac:vml" xmlns:ma="http://schemas.microsoft.com/office/mac/drawingml/2008/main" Requires="ma">
+          <mc:Choice xmlns:ma="http://schemas.microsoft.com/office/mac/drawingml/2008/main" xmlns:mv="urn:schemas-microsoft-com:mac:vml" xmlns="" Requires="ma">
             <p:blipFill>
               <a:blip r:embed="rId4"/>
               <a:stretch>
@@ -32043,7 +32043,7 @@
           <p:nvPr/>
         </p:nvPicPr>
         <mc:AlternateContent xmlns:mc="http://schemas.openxmlformats.org/markup-compatibility/2006">
-          <mc:Choice xmlns="" xmlns:mv="urn:schemas-microsoft-com:mac:vml" xmlns:ma="http://schemas.microsoft.com/office/mac/drawingml/2008/main" Requires="ma">
+          <mc:Choice xmlns:ma="http://schemas.microsoft.com/office/mac/drawingml/2008/main" xmlns:mv="urn:schemas-microsoft-com:mac:vml" xmlns="" Requires="ma">
             <p:blipFill>
               <a:blip r:embed="rId6"/>
               <a:stretch>
@@ -32795,7 +32795,7 @@
           <p:nvPr/>
         </p:nvPicPr>
         <mc:AlternateContent xmlns:mc="http://schemas.openxmlformats.org/markup-compatibility/2006">
-          <mc:Choice xmlns="" xmlns:mv="urn:schemas-microsoft-com:mac:vml" xmlns:ma="http://schemas.microsoft.com/office/mac/drawingml/2008/main" Requires="ma">
+          <mc:Choice xmlns:ma="http://schemas.microsoft.com/office/mac/drawingml/2008/main" xmlns:mv="urn:schemas-microsoft-com:mac:vml" xmlns="" Requires="ma">
             <p:blipFill>
               <a:blip r:embed="rId2"/>
               <a:stretch>
@@ -32831,7 +32831,7 @@
           <p:nvPr/>
         </p:nvPicPr>
         <mc:AlternateContent xmlns:mc="http://schemas.openxmlformats.org/markup-compatibility/2006">
-          <mc:Choice xmlns="" xmlns:mv="urn:schemas-microsoft-com:mac:vml" xmlns:ma="http://schemas.microsoft.com/office/mac/drawingml/2008/main" Requires="ma">
+          <mc:Choice xmlns:ma="http://schemas.microsoft.com/office/mac/drawingml/2008/main" xmlns:mv="urn:schemas-microsoft-com:mac:vml" xmlns="" Requires="ma">
             <p:blipFill>
               <a:blip r:embed="rId4"/>
               <a:stretch>
@@ -32867,7 +32867,7 @@
           <p:nvPr/>
         </p:nvPicPr>
         <mc:AlternateContent xmlns:mc="http://schemas.openxmlformats.org/markup-compatibility/2006">
-          <mc:Choice xmlns="" xmlns:mv="urn:schemas-microsoft-com:mac:vml" xmlns:ma="http://schemas.microsoft.com/office/mac/drawingml/2008/main" Requires="ma">
+          <mc:Choice xmlns:ma="http://schemas.microsoft.com/office/mac/drawingml/2008/main" xmlns:mv="urn:schemas-microsoft-com:mac:vml" xmlns="" Requires="ma">
             <p:blipFill>
               <a:blip r:embed="rId6"/>
               <a:stretch>
@@ -32903,7 +32903,7 @@
           <p:nvPr/>
         </p:nvPicPr>
         <mc:AlternateContent xmlns:mc="http://schemas.openxmlformats.org/markup-compatibility/2006">
-          <mc:Choice xmlns="" xmlns:mv="urn:schemas-microsoft-com:mac:vml" xmlns:ma="http://schemas.microsoft.com/office/mac/drawingml/2008/main" Requires="ma">
+          <mc:Choice xmlns:ma="http://schemas.microsoft.com/office/mac/drawingml/2008/main" xmlns:mv="urn:schemas-microsoft-com:mac:vml" xmlns="" Requires="ma">
             <p:blipFill>
               <a:blip r:embed="rId8"/>
               <a:stretch>
@@ -33026,7 +33026,7 @@
           <p:nvPr/>
         </p:nvPicPr>
         <mc:AlternateContent xmlns:mc="http://schemas.openxmlformats.org/markup-compatibility/2006">
-          <mc:Choice xmlns="" xmlns:mv="urn:schemas-microsoft-com:mac:vml" xmlns:ma="http://schemas.microsoft.com/office/mac/drawingml/2008/main" Requires="ma">
+          <mc:Choice xmlns:ma="http://schemas.microsoft.com/office/mac/drawingml/2008/main" xmlns:mv="urn:schemas-microsoft-com:mac:vml" xmlns="" Requires="ma">
             <p:blipFill>
               <a:blip r:embed="rId10"/>
               <a:stretch>
